--- a/team3/Publication/Progress update.pptx
+++ b/team3/Publication/Progress update.pptx
@@ -14,6 +14,9 @@
     <p:sldId id="263" r:id="rId8"/>
     <p:sldId id="266" r:id="rId9"/>
     <p:sldId id="264" r:id="rId10"/>
+    <p:sldId id="267" r:id="rId11"/>
+    <p:sldId id="268" r:id="rId12"/>
+    <p:sldId id="269" r:id="rId13"/>
   </p:sldIdLst>
   <p:sldSz cx="12192000" cy="6858000"/>
   <p:notesSz cx="6858000" cy="9144000"/>
@@ -3408,6 +3411,485 @@
   <p:clrMapOvr>
     <a:masterClrMapping/>
   </p:clrMapOvr>
+  <p:timing>
+    <p:tnLst>
+      <p:par>
+        <p:cTn id="1" dur="indefinite" restart="never" nodeType="tmRoot"/>
+      </p:par>
+    </p:tnLst>
+  </p:timing>
+</p:sld>
+</file>
+
+<file path=ppt/slides/slide10.xml><?xml version="1.0" encoding="utf-8"?>
+<p:sld xmlns:a="http://schemas.openxmlformats.org/drawingml/2006/main" xmlns:r="http://schemas.openxmlformats.org/officeDocument/2006/relationships" xmlns:p="http://schemas.openxmlformats.org/presentationml/2006/main">
+  <p:cSld>
+    <p:spTree>
+      <p:nvGrpSpPr>
+        <p:cNvPr id="1" name=""/>
+        <p:cNvGrpSpPr/>
+        <p:nvPr/>
+      </p:nvGrpSpPr>
+      <p:grpSpPr>
+        <a:xfrm>
+          <a:off x="0" y="0"/>
+          <a:ext cx="0" cy="0"/>
+          <a:chOff x="0" y="0"/>
+          <a:chExt cx="0" cy="0"/>
+        </a:xfrm>
+      </p:grpSpPr>
+      <p:pic>
+        <p:nvPicPr>
+          <p:cNvPr id="4" name="内容占位符 3"/>
+          <p:cNvPicPr>
+            <a:picLocks noGrp="1" noChangeAspect="1"/>
+          </p:cNvPicPr>
+          <p:nvPr>
+            <p:ph idx="1"/>
+          </p:nvPr>
+        </p:nvPicPr>
+        <p:blipFill>
+          <a:blip r:embed="rId2">
+            <a:extLst>
+              <a:ext uri="{28A0092B-C50C-407E-A947-70E740481C1C}">
+                <a14:useLocalDpi xmlns:a14="http://schemas.microsoft.com/office/drawing/2010/main" val="0"/>
+              </a:ext>
+            </a:extLst>
+          </a:blip>
+          <a:stretch>
+            <a:fillRect/>
+          </a:stretch>
+        </p:blipFill>
+        <p:spPr>
+          <a:xfrm>
+            <a:off x="1762298" y="0"/>
+            <a:ext cx="10429702" cy="6858000"/>
+          </a:xfrm>
+        </p:spPr>
+      </p:pic>
+      <p:sp>
+        <p:nvSpPr>
+          <p:cNvPr id="6" name="矩形 5"/>
+          <p:cNvSpPr/>
+          <p:nvPr/>
+        </p:nvSpPr>
+        <p:spPr>
+          <a:xfrm rot="16200000">
+            <a:off x="-864524" y="1007647"/>
+            <a:ext cx="2938625" cy="923330"/>
+          </a:xfrm>
+          <a:prstGeom prst="rect">
+            <a:avLst/>
+          </a:prstGeom>
+          <a:noFill/>
+        </p:spPr>
+        <p:txBody>
+          <a:bodyPr wrap="none" lIns="91440" tIns="45720" rIns="91440" bIns="45720">
+            <a:spAutoFit/>
+          </a:bodyPr>
+          <a:lstStyle/>
+          <a:p>
+            <a:r>
+              <a:rPr lang="en-US" altLang="zh-CN" sz="5400" dirty="0"/>
+              <a:t>Overview</a:t>
+            </a:r>
+            <a:endParaRPr lang="zh-CN" altLang="en-US" sz="5400" dirty="0"/>
+          </a:p>
+        </p:txBody>
+      </p:sp>
+    </p:spTree>
+    <p:extLst>
+      <p:ext uri="{BB962C8B-B14F-4D97-AF65-F5344CB8AC3E}">
+        <p14:creationId xmlns:p14="http://schemas.microsoft.com/office/powerpoint/2010/main" val="787784303"/>
+      </p:ext>
+    </p:extLst>
+  </p:cSld>
+  <p:clrMapOvr>
+    <a:masterClrMapping/>
+  </p:clrMapOvr>
+  <p:timing>
+    <p:tnLst>
+      <p:par>
+        <p:cTn id="1" dur="indefinite" restart="never" nodeType="tmRoot"/>
+      </p:par>
+    </p:tnLst>
+  </p:timing>
+</p:sld>
+</file>
+
+<file path=ppt/slides/slide11.xml><?xml version="1.0" encoding="utf-8"?>
+<p:sld xmlns:a="http://schemas.openxmlformats.org/drawingml/2006/main" xmlns:r="http://schemas.openxmlformats.org/officeDocument/2006/relationships" xmlns:p="http://schemas.openxmlformats.org/presentationml/2006/main">
+  <p:cSld>
+    <p:spTree>
+      <p:nvGrpSpPr>
+        <p:cNvPr id="1" name=""/>
+        <p:cNvGrpSpPr/>
+        <p:nvPr/>
+      </p:nvGrpSpPr>
+      <p:grpSpPr>
+        <a:xfrm>
+          <a:off x="0" y="0"/>
+          <a:ext cx="0" cy="0"/>
+          <a:chOff x="0" y="0"/>
+          <a:chExt cx="0" cy="0"/>
+        </a:xfrm>
+      </p:grpSpPr>
+      <p:pic>
+        <p:nvPicPr>
+          <p:cNvPr id="4" name="内容占位符 3"/>
+          <p:cNvPicPr>
+            <a:picLocks noGrp="1" noChangeAspect="1"/>
+          </p:cNvPicPr>
+          <p:nvPr>
+            <p:ph idx="1"/>
+          </p:nvPr>
+        </p:nvPicPr>
+        <p:blipFill>
+          <a:blip r:embed="rId2">
+            <a:extLst>
+              <a:ext uri="{28A0092B-C50C-407E-A947-70E740481C1C}">
+                <a14:useLocalDpi xmlns:a14="http://schemas.microsoft.com/office/drawing/2010/main" val="0"/>
+              </a:ext>
+            </a:extLst>
+          </a:blip>
+          <a:stretch>
+            <a:fillRect/>
+          </a:stretch>
+        </p:blipFill>
+        <p:spPr>
+          <a:xfrm>
+            <a:off x="2330173" y="0"/>
+            <a:ext cx="9861827" cy="6786361"/>
+          </a:xfrm>
+        </p:spPr>
+      </p:pic>
+      <p:sp>
+        <p:nvSpPr>
+          <p:cNvPr id="5" name="矩形 4"/>
+          <p:cNvSpPr/>
+          <p:nvPr/>
+        </p:nvSpPr>
+        <p:spPr>
+          <a:xfrm rot="16200000">
+            <a:off x="-2828835" y="3039237"/>
+            <a:ext cx="8372290" cy="707886"/>
+          </a:xfrm>
+          <a:prstGeom prst="rect">
+            <a:avLst/>
+          </a:prstGeom>
+          <a:noFill/>
+        </p:spPr>
+        <p:txBody>
+          <a:bodyPr wrap="square" lIns="91440" tIns="45720" rIns="91440" bIns="45720">
+            <a:spAutoFit/>
+          </a:bodyPr>
+          <a:lstStyle/>
+          <a:p>
+            <a:pPr algn="ctr"/>
+            <a:r>
+              <a:rPr lang="en-US" altLang="zh-CN" sz="4000" b="1" dirty="0" smtClean="0">
+                <a:ln w="9525">
+                  <a:solidFill>
+                    <a:schemeClr val="bg1"/>
+                  </a:solidFill>
+                  <a:prstDash val="solid"/>
+                </a:ln>
+                <a:effectLst>
+                  <a:outerShdw blurRad="12700" dist="38100" dir="2700000" algn="tl" rotWithShape="0">
+                    <a:schemeClr val="bg1">
+                      <a:lumMod val="50000"/>
+                    </a:schemeClr>
+                  </a:outerShdw>
+                </a:effectLst>
+              </a:rPr>
+              <a:t>Proper hints at proper places</a:t>
+            </a:r>
+            <a:endParaRPr lang="zh-CN" altLang="en-US" sz="4000" b="1" cap="none" spc="0" dirty="0">
+              <a:ln w="9525">
+                <a:solidFill>
+                  <a:schemeClr val="bg1"/>
+                </a:solidFill>
+                <a:prstDash val="solid"/>
+              </a:ln>
+              <a:solidFill>
+                <a:schemeClr val="tx1"/>
+              </a:solidFill>
+              <a:effectLst>
+                <a:outerShdw blurRad="12700" dist="38100" dir="2700000" algn="tl" rotWithShape="0">
+                  <a:schemeClr val="bg1">
+                    <a:lumMod val="50000"/>
+                  </a:schemeClr>
+                </a:outerShdw>
+              </a:effectLst>
+            </a:endParaRPr>
+          </a:p>
+        </p:txBody>
+      </p:sp>
+    </p:spTree>
+    <p:extLst>
+      <p:ext uri="{BB962C8B-B14F-4D97-AF65-F5344CB8AC3E}">
+        <p14:creationId xmlns:p14="http://schemas.microsoft.com/office/powerpoint/2010/main" val="3357720344"/>
+      </p:ext>
+    </p:extLst>
+  </p:cSld>
+  <p:clrMapOvr>
+    <a:masterClrMapping/>
+  </p:clrMapOvr>
+  <p:timing>
+    <p:tnLst>
+      <p:par>
+        <p:cTn id="1" dur="indefinite" restart="never" nodeType="tmRoot"/>
+      </p:par>
+    </p:tnLst>
+  </p:timing>
+</p:sld>
+</file>
+
+<file path=ppt/slides/slide12.xml><?xml version="1.0" encoding="utf-8"?>
+<p:sld xmlns:a="http://schemas.openxmlformats.org/drawingml/2006/main" xmlns:r="http://schemas.openxmlformats.org/officeDocument/2006/relationships" xmlns:p="http://schemas.openxmlformats.org/presentationml/2006/main">
+  <p:cSld>
+    <p:spTree>
+      <p:nvGrpSpPr>
+        <p:cNvPr id="1" name=""/>
+        <p:cNvGrpSpPr/>
+        <p:nvPr/>
+      </p:nvGrpSpPr>
+      <p:grpSpPr>
+        <a:xfrm>
+          <a:off x="0" y="0"/>
+          <a:ext cx="0" cy="0"/>
+          <a:chOff x="0" y="0"/>
+          <a:chExt cx="0" cy="0"/>
+        </a:xfrm>
+      </p:grpSpPr>
+      <p:sp>
+        <p:nvSpPr>
+          <p:cNvPr id="2" name="标题 1"/>
+          <p:cNvSpPr>
+            <a:spLocks noGrp="1"/>
+          </p:cNvSpPr>
+          <p:nvPr>
+            <p:ph type="title"/>
+          </p:nvPr>
+        </p:nvSpPr>
+        <p:spPr/>
+        <p:txBody>
+          <a:bodyPr/>
+          <a:lstStyle/>
+          <a:p>
+            <a:endParaRPr lang="zh-CN" altLang="en-US"/>
+          </a:p>
+        </p:txBody>
+      </p:sp>
+      <p:pic>
+        <p:nvPicPr>
+          <p:cNvPr id="4" name="内容占位符 3"/>
+          <p:cNvPicPr>
+            <a:picLocks noGrp="1" noChangeAspect="1"/>
+          </p:cNvPicPr>
+          <p:nvPr>
+            <p:ph idx="1"/>
+          </p:nvPr>
+        </p:nvPicPr>
+        <p:blipFill>
+          <a:blip r:embed="rId2">
+            <a:extLst>
+              <a:ext uri="{28A0092B-C50C-407E-A947-70E740481C1C}">
+                <a14:useLocalDpi xmlns:a14="http://schemas.microsoft.com/office/drawing/2010/main" val="0"/>
+              </a:ext>
+            </a:extLst>
+          </a:blip>
+          <a:stretch>
+            <a:fillRect/>
+          </a:stretch>
+        </p:blipFill>
+        <p:spPr>
+          <a:xfrm>
+            <a:off x="2077814" y="0"/>
+            <a:ext cx="10114186" cy="6858000"/>
+          </a:xfrm>
+        </p:spPr>
+      </p:pic>
+      <p:sp>
+        <p:nvSpPr>
+          <p:cNvPr id="5" name="矩形 4"/>
+          <p:cNvSpPr/>
+          <p:nvPr/>
+        </p:nvSpPr>
+        <p:spPr>
+          <a:xfrm rot="16200000">
+            <a:off x="-2499331" y="3044279"/>
+            <a:ext cx="6173485" cy="769441"/>
+          </a:xfrm>
+          <a:prstGeom prst="rect">
+            <a:avLst/>
+          </a:prstGeom>
+          <a:noFill/>
+        </p:spPr>
+        <p:txBody>
+          <a:bodyPr wrap="none" lIns="91440" tIns="45720" rIns="91440" bIns="45720">
+            <a:spAutoFit/>
+          </a:bodyPr>
+          <a:lstStyle/>
+          <a:p>
+            <a:pPr algn="ctr"/>
+            <a:r>
+              <a:rPr lang="en-US" altLang="zh-CN" sz="4400" b="1" cap="none" spc="0" dirty="0" smtClean="0">
+                <a:ln w="9525">
+                  <a:solidFill>
+                    <a:schemeClr val="bg1"/>
+                  </a:solidFill>
+                  <a:prstDash val="solid"/>
+                </a:ln>
+                <a:solidFill>
+                  <a:schemeClr val="tx1"/>
+                </a:solidFill>
+                <a:effectLst>
+                  <a:outerShdw blurRad="12700" dist="38100" dir="2700000" algn="tl" rotWithShape="0">
+                    <a:schemeClr val="bg1">
+                      <a:lumMod val="50000"/>
+                    </a:schemeClr>
+                  </a:outerShdw>
+                </a:effectLst>
+              </a:rPr>
+              <a:t>More specific examples</a:t>
+            </a:r>
+            <a:endParaRPr lang="zh-CN" altLang="en-US" sz="4400" b="1" cap="none" spc="0" dirty="0">
+              <a:ln w="9525">
+                <a:solidFill>
+                  <a:schemeClr val="bg1"/>
+                </a:solidFill>
+                <a:prstDash val="solid"/>
+              </a:ln>
+              <a:solidFill>
+                <a:schemeClr val="tx1"/>
+              </a:solidFill>
+              <a:effectLst>
+                <a:outerShdw blurRad="12700" dist="38100" dir="2700000" algn="tl" rotWithShape="0">
+                  <a:schemeClr val="bg1">
+                    <a:lumMod val="50000"/>
+                  </a:schemeClr>
+                </a:outerShdw>
+              </a:effectLst>
+            </a:endParaRPr>
+          </a:p>
+        </p:txBody>
+      </p:sp>
+      <p:sp>
+        <p:nvSpPr>
+          <p:cNvPr id="8" name="右箭头 7"/>
+          <p:cNvSpPr/>
+          <p:nvPr/>
+        </p:nvSpPr>
+        <p:spPr>
+          <a:xfrm rot="18121432">
+            <a:off x="5619405" y="1197033"/>
+            <a:ext cx="1853738" cy="252586"/>
+          </a:xfrm>
+          <a:prstGeom prst="rightArrow">
+            <a:avLst>
+              <a:gd name="adj1" fmla="val 50000"/>
+              <a:gd name="adj2" fmla="val 240881"/>
+            </a:avLst>
+          </a:prstGeom>
+          <a:noFill/>
+          <a:ln>
+            <a:solidFill>
+              <a:srgbClr val="FF0000"/>
+            </a:solidFill>
+          </a:ln>
+        </p:spPr>
+        <p:style>
+          <a:lnRef idx="2">
+            <a:schemeClr val="accent1">
+              <a:shade val="50000"/>
+            </a:schemeClr>
+          </a:lnRef>
+          <a:fillRef idx="1">
+            <a:schemeClr val="accent1"/>
+          </a:fillRef>
+          <a:effectRef idx="0">
+            <a:schemeClr val="accent1"/>
+          </a:effectRef>
+          <a:fontRef idx="minor">
+            <a:schemeClr val="lt1"/>
+          </a:fontRef>
+        </p:style>
+        <p:txBody>
+          <a:bodyPr rtlCol="0" anchor="ctr"/>
+          <a:lstStyle/>
+          <a:p>
+            <a:pPr algn="ctr"/>
+            <a:endParaRPr lang="zh-CN" altLang="en-US"/>
+          </a:p>
+        </p:txBody>
+      </p:sp>
+      <p:sp>
+        <p:nvSpPr>
+          <p:cNvPr id="9" name="右箭头 8"/>
+          <p:cNvSpPr/>
+          <p:nvPr/>
+        </p:nvSpPr>
+        <p:spPr>
+          <a:xfrm rot="7777440">
+            <a:off x="5347321" y="4596939"/>
+            <a:ext cx="1862051" cy="232756"/>
+          </a:xfrm>
+          <a:prstGeom prst="rightArrow">
+            <a:avLst>
+              <a:gd name="adj1" fmla="val 27778"/>
+              <a:gd name="adj2" fmla="val 190000"/>
+            </a:avLst>
+          </a:prstGeom>
+          <a:noFill/>
+          <a:ln>
+            <a:solidFill>
+              <a:srgbClr val="FF0000"/>
+            </a:solidFill>
+          </a:ln>
+        </p:spPr>
+        <p:style>
+          <a:lnRef idx="2">
+            <a:schemeClr val="accent1">
+              <a:shade val="50000"/>
+            </a:schemeClr>
+          </a:lnRef>
+          <a:fillRef idx="1">
+            <a:schemeClr val="accent1"/>
+          </a:fillRef>
+          <a:effectRef idx="0">
+            <a:schemeClr val="accent1"/>
+          </a:effectRef>
+          <a:fontRef idx="minor">
+            <a:schemeClr val="lt1"/>
+          </a:fontRef>
+        </p:style>
+        <p:txBody>
+          <a:bodyPr rtlCol="0" anchor="ctr"/>
+          <a:lstStyle/>
+          <a:p>
+            <a:pPr algn="ctr"/>
+            <a:endParaRPr lang="zh-CN" altLang="en-US"/>
+          </a:p>
+        </p:txBody>
+      </p:sp>
+    </p:spTree>
+    <p:extLst>
+      <p:ext uri="{BB962C8B-B14F-4D97-AF65-F5344CB8AC3E}">
+        <p14:creationId xmlns:p14="http://schemas.microsoft.com/office/powerpoint/2010/main" val="2144893983"/>
+      </p:ext>
+    </p:extLst>
+  </p:cSld>
+  <p:clrMapOvr>
+    <a:masterClrMapping/>
+  </p:clrMapOvr>
+  <p:timing>
+    <p:tnLst>
+      <p:par>
+        <p:cTn id="1" dur="indefinite" restart="never" nodeType="tmRoot"/>
+      </p:par>
+    </p:tnLst>
+  </p:timing>
 </p:sld>
 </file>
 
@@ -3498,6 +3980,13 @@
   <p:clrMapOvr>
     <a:masterClrMapping/>
   </p:clrMapOvr>
+  <p:timing>
+    <p:tnLst>
+      <p:par>
+        <p:cTn id="1" dur="indefinite" restart="never" nodeType="tmRoot"/>
+      </p:par>
+    </p:tnLst>
+  </p:timing>
 </p:sld>
 </file>
 
@@ -4510,6 +4999,13 @@
   <p:clrMapOvr>
     <a:masterClrMapping/>
   </p:clrMapOvr>
+  <p:timing>
+    <p:tnLst>
+      <p:par>
+        <p:cTn id="1" dur="indefinite" restart="never" nodeType="tmRoot"/>
+      </p:par>
+    </p:tnLst>
+  </p:timing>
 </p:sld>
 </file>
 
@@ -4594,6 +5090,13 @@
   <p:clrMapOvr>
     <a:masterClrMapping/>
   </p:clrMapOvr>
+  <p:timing>
+    <p:tnLst>
+      <p:par>
+        <p:cTn id="1" dur="indefinite" restart="never" nodeType="tmRoot"/>
+      </p:par>
+    </p:tnLst>
+  </p:timing>
 </p:sld>
 </file>
 
@@ -4673,6 +5176,13 @@
   <p:clrMapOvr>
     <a:masterClrMapping/>
   </p:clrMapOvr>
+  <p:timing>
+    <p:tnLst>
+      <p:par>
+        <p:cTn id="1" dur="indefinite" restart="never" nodeType="tmRoot"/>
+      </p:par>
+    </p:tnLst>
+  </p:timing>
 </p:sld>
 </file>
 
@@ -4752,6 +5262,13 @@
   <p:clrMapOvr>
     <a:masterClrMapping/>
   </p:clrMapOvr>
+  <p:timing>
+    <p:tnLst>
+      <p:par>
+        <p:cTn id="1" dur="indefinite" restart="never" nodeType="tmRoot"/>
+      </p:par>
+    </p:tnLst>
+  </p:timing>
 </p:sld>
 </file>
 
@@ -4921,7 +5438,6 @@
                         <a:rPr lang="en-US" altLang="zh-CN" baseline="0" dirty="0" smtClean="0"/>
                         <a:t>An intermediary language known as VM can simplify programming and compilation</a:t>
                       </a:r>
-                      <a:endParaRPr lang="en-US" altLang="zh-CN" baseline="0" dirty="0" smtClean="0"/>
                     </a:p>
                     <a:p>
                       <a:pPr marL="342900" marR="0" lvl="0" indent="-342900" algn="l" defTabSz="914400" rtl="0" eaLnBrk="1" fontAlgn="auto" latinLnBrk="0" hangingPunct="1">
@@ -4945,7 +5461,6 @@
                         <a:rPr lang="en-US" altLang="zh-CN" baseline="0" dirty="0" smtClean="0"/>
                         <a:t>The stack is a data structure used by the virtual machine abstraction</a:t>
                       </a:r>
-                      <a:endParaRPr lang="en-US" altLang="zh-CN" baseline="0" dirty="0" smtClean="0"/>
                     </a:p>
                   </a:txBody>
                   <a:tcPr/>
@@ -5019,19 +5534,7 @@
                           <a:ea typeface="+mn-ea"/>
                           <a:cs typeface="+mn-cs"/>
                         </a:rPr>
-                        <a:t>Goal: </a:t>
-                      </a:r>
-                      <a:r>
-                        <a:rPr lang="en-US" altLang="zh-CN" sz="1800" b="1" i="0" kern="1200" dirty="0" smtClean="0">
-                          <a:solidFill>
-                            <a:schemeClr val="dk1"/>
-                          </a:solidFill>
-                          <a:effectLst/>
-                          <a:latin typeface="+mn-lt"/>
-                          <a:ea typeface="+mn-ea"/>
-                          <a:cs typeface="+mn-cs"/>
-                        </a:rPr>
-                        <a:t>1. Create</a:t>
+                        <a:t>Goal: 1. Create</a:t>
                       </a:r>
                       <a:r>
                         <a:rPr lang="en-US" altLang="zh-CN" sz="1800" b="1" i="0" kern="1200" baseline="0" dirty="0" smtClean="0">
@@ -5246,15 +5749,6 @@
                         </a:rPr>
                         <a:t>Readers should be capable of implementing a translator for our VM language</a:t>
                       </a:r>
-                      <a:endParaRPr lang="en-US" altLang="zh-CN" sz="1800" b="1" i="0" kern="1200" dirty="0" smtClean="0">
-                        <a:solidFill>
-                          <a:schemeClr val="dk1"/>
-                        </a:solidFill>
-                        <a:effectLst/>
-                        <a:latin typeface="+mn-lt"/>
-                        <a:ea typeface="+mn-ea"/>
-                        <a:cs typeface="+mn-cs"/>
-                      </a:endParaRPr>
                     </a:p>
                     <a:p>
                       <a:endParaRPr lang="zh-CN" altLang="en-US" dirty="0"/>
@@ -5672,15 +6166,6 @@
                         </a:rPr>
                         <a:t>Test case</a:t>
                       </a:r>
-                      <a:endParaRPr lang="en-US" altLang="zh-CN" sz="1800" b="1" i="0" kern="1200" dirty="0" smtClean="0">
-                        <a:solidFill>
-                          <a:schemeClr val="dk1"/>
-                        </a:solidFill>
-                        <a:effectLst/>
-                        <a:latin typeface="+mn-lt"/>
-                        <a:ea typeface="+mn-ea"/>
-                        <a:cs typeface="+mn-cs"/>
-                      </a:endParaRPr>
                     </a:p>
                   </a:txBody>
                   <a:tcPr/>
@@ -5724,19 +6209,7 @@
                           <a:ea typeface="+mn-ea"/>
                           <a:cs typeface="+mn-cs"/>
                         </a:rPr>
-                        <a:t>Outside factors</a:t>
-                      </a:r>
-                      <a:r>
-                        <a:rPr lang="en-US" altLang="zh-CN" sz="1800" b="1" i="0" kern="1200" dirty="0" smtClean="0">
-                          <a:solidFill>
-                            <a:schemeClr val="dk1"/>
-                          </a:solidFill>
-                          <a:effectLst/>
-                          <a:latin typeface="+mn-lt"/>
-                          <a:ea typeface="+mn-ea"/>
-                          <a:cs typeface="+mn-cs"/>
-                        </a:rPr>
-                        <a:t>:</a:t>
+                        <a:t>Outside factors:</a:t>
                       </a:r>
                       <a:r>
                         <a:rPr lang="en-US" altLang="zh-CN" sz="1800" b="1" i="0" kern="1200" baseline="0" dirty="0" smtClean="0">
@@ -5899,6 +6372,13 @@
   <p:clrMapOvr>
     <a:masterClrMapping/>
   </p:clrMapOvr>
+  <p:timing>
+    <p:tnLst>
+      <p:par>
+        <p:cTn id="1" dur="indefinite" restart="never" nodeType="tmRoot"/>
+      </p:par>
+    </p:tnLst>
+  </p:timing>
 </p:sld>
 </file>
 
@@ -6475,6 +6955,13 @@
   <p:clrMapOvr>
     <a:masterClrMapping/>
   </p:clrMapOvr>
+  <p:timing>
+    <p:tnLst>
+      <p:par>
+        <p:cTn id="1" dur="indefinite" restart="never" nodeType="tmRoot"/>
+      </p:par>
+    </p:tnLst>
+  </p:timing>
 </p:sld>
 </file>
 

--- a/team3/Publication/Progress update.pptx
+++ b/team3/Publication/Progress update.pptx
@@ -3587,37 +3587,24 @@
           <a:p>
             <a:pPr algn="ctr"/>
             <a:r>
-              <a:rPr lang="en-US" altLang="zh-CN" sz="4000" b="1" dirty="0" smtClean="0">
-                <a:ln w="9525">
-                  <a:solidFill>
-                    <a:schemeClr val="bg1"/>
-                  </a:solidFill>
-                  <a:prstDash val="solid"/>
-                </a:ln>
+              <a:rPr lang="en-US" altLang="zh-CN" sz="4000" dirty="0" smtClean="0">
+                <a:ln w="0"/>
                 <a:effectLst>
-                  <a:outerShdw blurRad="12700" dist="38100" dir="2700000" algn="tl" rotWithShape="0">
-                    <a:schemeClr val="bg1">
-                      <a:lumMod val="50000"/>
+                  <a:outerShdw blurRad="38100" dist="19050" dir="2700000" algn="tl" rotWithShape="0">
+                    <a:schemeClr val="dk1">
+                      <a:alpha val="40000"/>
                     </a:schemeClr>
                   </a:outerShdw>
                 </a:effectLst>
               </a:rPr>
               <a:t>Proper hints at proper places</a:t>
             </a:r>
-            <a:endParaRPr lang="zh-CN" altLang="en-US" sz="4000" b="1" cap="none" spc="0" dirty="0">
-              <a:ln w="9525">
-                <a:solidFill>
-                  <a:schemeClr val="bg1"/>
-                </a:solidFill>
-                <a:prstDash val="solid"/>
-              </a:ln>
-              <a:solidFill>
-                <a:schemeClr val="tx1"/>
-              </a:solidFill>
+            <a:endParaRPr lang="zh-CN" altLang="en-US" sz="4000" dirty="0">
+              <a:ln w="0"/>
               <a:effectLst>
-                <a:outerShdw blurRad="12700" dist="38100" dir="2700000" algn="tl" rotWithShape="0">
-                  <a:schemeClr val="bg1">
-                    <a:lumMod val="50000"/>
+                <a:outerShdw blurRad="38100" dist="19050" dir="2700000" algn="tl" rotWithShape="0">
+                  <a:schemeClr val="dk1">
+                    <a:alpha val="40000"/>
                   </a:schemeClr>
                 </a:outerShdw>
               </a:effectLst>
@@ -3718,8 +3705,8 @@
         </p:nvSpPr>
         <p:spPr>
           <a:xfrm rot="16200000">
-            <a:off x="-2499331" y="3044279"/>
-            <a:ext cx="6173485" cy="769441"/>
+            <a:off x="-2324604" y="3044279"/>
+            <a:ext cx="5824030" cy="769441"/>
           </a:xfrm>
           <a:prstGeom prst="rect">
             <a:avLst/>
@@ -3734,40 +3721,24 @@
           <a:p>
             <a:pPr algn="ctr"/>
             <a:r>
-              <a:rPr lang="en-US" altLang="zh-CN" sz="4400" b="1" cap="none" spc="0" dirty="0" smtClean="0">
-                <a:ln w="9525">
-                  <a:solidFill>
-                    <a:schemeClr val="bg1"/>
-                  </a:solidFill>
-                  <a:prstDash val="solid"/>
-                </a:ln>
-                <a:solidFill>
-                  <a:schemeClr val="tx1"/>
-                </a:solidFill>
+              <a:rPr lang="en-US" altLang="zh-CN" sz="4400" dirty="0" smtClean="0">
+                <a:ln w="0"/>
                 <a:effectLst>
-                  <a:outerShdw blurRad="12700" dist="38100" dir="2700000" algn="tl" rotWithShape="0">
-                    <a:schemeClr val="bg1">
-                      <a:lumMod val="50000"/>
+                  <a:outerShdw blurRad="38100" dist="19050" dir="2700000" algn="tl" rotWithShape="0">
+                    <a:schemeClr val="dk1">
+                      <a:alpha val="40000"/>
                     </a:schemeClr>
                   </a:outerShdw>
                 </a:effectLst>
               </a:rPr>
               <a:t>More specific examples</a:t>
             </a:r>
-            <a:endParaRPr lang="zh-CN" altLang="en-US" sz="4400" b="1" cap="none" spc="0" dirty="0">
-              <a:ln w="9525">
-                <a:solidFill>
-                  <a:schemeClr val="bg1"/>
-                </a:solidFill>
-                <a:prstDash val="solid"/>
-              </a:ln>
-              <a:solidFill>
-                <a:schemeClr val="tx1"/>
-              </a:solidFill>
+            <a:endParaRPr lang="zh-CN" altLang="en-US" sz="4400" dirty="0">
+              <a:ln w="0"/>
               <a:effectLst>
-                <a:outerShdw blurRad="12700" dist="38100" dir="2700000" algn="tl" rotWithShape="0">
-                  <a:schemeClr val="bg1">
-                    <a:lumMod val="50000"/>
+                <a:outerShdw blurRad="38100" dist="19050" dir="2700000" algn="tl" rotWithShape="0">
+                  <a:schemeClr val="dk1">
+                    <a:alpha val="40000"/>
                   </a:schemeClr>
                 </a:outerShdw>
               </a:effectLst>
@@ -6717,14 +6688,14 @@
           <p:nvPr>
             <p:extLst>
               <p:ext uri="{D42A27DB-BD31-4B8C-83A1-F6EECF244321}">
-                <p14:modId xmlns:p14="http://schemas.microsoft.com/office/powerpoint/2010/main" val="2936015626"/>
+                <p14:modId xmlns:p14="http://schemas.microsoft.com/office/powerpoint/2010/main" val="2377646577"/>
               </p:ext>
             </p:extLst>
           </p:nvPr>
         </p:nvGraphicFramePr>
         <p:xfrm>
           <a:off x="2675881" y="1825625"/>
-          <a:ext cx="743768" cy="1112520"/>
+          <a:ext cx="743768" cy="370840"/>
         </p:xfrm>
         <a:graphic>
           <a:graphicData uri="http://schemas.openxmlformats.org/drawingml/2006/table">
@@ -6741,134 +6712,6 @@
                   </a:extLst>
                 </a:gridCol>
               </a:tblGrid>
-              <a:tr h="370840">
-                <a:tc>
-                  <a:txBody>
-                    <a:bodyPr/>
-                    <a:lstStyle/>
-                    <a:p>
-                      <a:pPr algn="ctr"/>
-                      <a:endParaRPr lang="zh-CN" altLang="en-US" b="1" dirty="0">
-                        <a:solidFill>
-                          <a:schemeClr val="tx1"/>
-                        </a:solidFill>
-                      </a:endParaRPr>
-                    </a:p>
-                  </a:txBody>
-                  <a:tcPr>
-                    <a:lnL w="28575" cap="flat" cmpd="sng" algn="ctr">
-                      <a:solidFill>
-                        <a:schemeClr val="tx1"/>
-                      </a:solidFill>
-                      <a:prstDash val="solid"/>
-                      <a:round/>
-                      <a:headEnd type="none" w="med" len="med"/>
-                      <a:tailEnd type="none" w="med" len="med"/>
-                    </a:lnL>
-                    <a:lnR w="28575" cap="flat" cmpd="sng" algn="ctr">
-                      <a:solidFill>
-                        <a:schemeClr val="tx1"/>
-                      </a:solidFill>
-                      <a:prstDash val="solid"/>
-                      <a:round/>
-                      <a:headEnd type="none" w="med" len="med"/>
-                      <a:tailEnd type="none" w="med" len="med"/>
-                    </a:lnR>
-                    <a:lnT w="28575" cap="flat" cmpd="sng" algn="ctr">
-                      <a:solidFill>
-                        <a:schemeClr val="tx1"/>
-                      </a:solidFill>
-                      <a:prstDash val="solid"/>
-                      <a:round/>
-                      <a:headEnd type="none" w="med" len="med"/>
-                      <a:tailEnd type="none" w="med" len="med"/>
-                    </a:lnT>
-                    <a:lnB w="28575" cap="flat" cmpd="sng" algn="ctr">
-                      <a:solidFill>
-                        <a:schemeClr val="tx1"/>
-                      </a:solidFill>
-                      <a:prstDash val="solid"/>
-                      <a:round/>
-                      <a:headEnd type="none" w="med" len="med"/>
-                      <a:tailEnd type="none" w="med" len="med"/>
-                    </a:lnB>
-                    <a:solidFill>
-                      <a:schemeClr val="bg1">
-                        <a:lumMod val="75000"/>
-                      </a:schemeClr>
-                    </a:solidFill>
-                  </a:tcPr>
-                </a:tc>
-                <a:extLst>
-                  <a:ext uri="{0D108BD9-81ED-4DB2-BD59-A6C34878D82A}">
-                    <a16:rowId xmlns:a16="http://schemas.microsoft.com/office/drawing/2014/main" val="3545471922"/>
-                  </a:ext>
-                </a:extLst>
-              </a:tr>
-              <a:tr h="370840">
-                <a:tc>
-                  <a:txBody>
-                    <a:bodyPr/>
-                    <a:lstStyle/>
-                    <a:p>
-                      <a:pPr algn="ctr"/>
-                      <a:endParaRPr lang="zh-CN" altLang="en-US" b="1" dirty="0">
-                        <a:solidFill>
-                          <a:schemeClr val="tx1"/>
-                        </a:solidFill>
-                      </a:endParaRPr>
-                    </a:p>
-                  </a:txBody>
-                  <a:tcPr>
-                    <a:lnL w="28575" cap="flat" cmpd="sng" algn="ctr">
-                      <a:solidFill>
-                        <a:schemeClr val="tx1"/>
-                      </a:solidFill>
-                      <a:prstDash val="solid"/>
-                      <a:round/>
-                      <a:headEnd type="none" w="med" len="med"/>
-                      <a:tailEnd type="none" w="med" len="med"/>
-                    </a:lnL>
-                    <a:lnR w="28575" cap="flat" cmpd="sng" algn="ctr">
-                      <a:solidFill>
-                        <a:schemeClr val="tx1"/>
-                      </a:solidFill>
-                      <a:prstDash val="solid"/>
-                      <a:round/>
-                      <a:headEnd type="none" w="med" len="med"/>
-                      <a:tailEnd type="none" w="med" len="med"/>
-                    </a:lnR>
-                    <a:lnT w="28575" cap="flat" cmpd="sng" algn="ctr">
-                      <a:solidFill>
-                        <a:schemeClr val="tx1"/>
-                      </a:solidFill>
-                      <a:prstDash val="solid"/>
-                      <a:round/>
-                      <a:headEnd type="none" w="med" len="med"/>
-                      <a:tailEnd type="none" w="med" len="med"/>
-                    </a:lnT>
-                    <a:lnB w="28575" cap="flat" cmpd="sng" algn="ctr">
-                      <a:solidFill>
-                        <a:schemeClr val="tx1"/>
-                      </a:solidFill>
-                      <a:prstDash val="solid"/>
-                      <a:round/>
-                      <a:headEnd type="none" w="med" len="med"/>
-                      <a:tailEnd type="none" w="med" len="med"/>
-                    </a:lnB>
-                    <a:solidFill>
-                      <a:schemeClr val="bg1">
-                        <a:lumMod val="75000"/>
-                      </a:schemeClr>
-                    </a:solidFill>
-                  </a:tcPr>
-                </a:tc>
-                <a:extLst>
-                  <a:ext uri="{0D108BD9-81ED-4DB2-BD59-A6C34878D82A}">
-                    <a16:rowId xmlns:a16="http://schemas.microsoft.com/office/drawing/2014/main" val="1606566102"/>
-                  </a:ext>
-                </a:extLst>
-              </a:tr>
               <a:tr h="370840">
                 <a:tc>
                   <a:txBody>
@@ -6945,6 +6788,198 @@
           </a:graphicData>
         </a:graphic>
       </p:graphicFrame>
+      <p:grpSp>
+        <p:nvGrpSpPr>
+          <p:cNvPr id="9" name="Group 8"/>
+          <p:cNvGrpSpPr/>
+          <p:nvPr/>
+        </p:nvGrpSpPr>
+        <p:grpSpPr>
+          <a:xfrm>
+            <a:off x="275750" y="1573491"/>
+            <a:ext cx="520995" cy="369332"/>
+            <a:chOff x="286383" y="1559074"/>
+            <a:chExt cx="520995" cy="369332"/>
+          </a:xfrm>
+        </p:grpSpPr>
+        <p:cxnSp>
+          <p:nvCxnSpPr>
+            <p:cNvPr id="8" name="Straight Arrow Connector 7"/>
+            <p:cNvCxnSpPr/>
+            <p:nvPr/>
+          </p:nvCxnSpPr>
+          <p:spPr>
+            <a:xfrm>
+              <a:off x="654978" y="1743740"/>
+              <a:ext cx="152400" cy="3968"/>
+            </a:xfrm>
+            <a:prstGeom prst="straightConnector1">
+              <a:avLst/>
+            </a:prstGeom>
+            <a:ln>
+              <a:solidFill>
+                <a:schemeClr val="tx1"/>
+              </a:solidFill>
+              <a:tailEnd type="triangle"/>
+            </a:ln>
+          </p:spPr>
+          <p:style>
+            <a:lnRef idx="1">
+              <a:schemeClr val="accent1"/>
+            </a:lnRef>
+            <a:fillRef idx="0">
+              <a:schemeClr val="accent1"/>
+            </a:fillRef>
+            <a:effectRef idx="0">
+              <a:schemeClr val="accent1"/>
+            </a:effectRef>
+            <a:fontRef idx="minor">
+              <a:schemeClr val="tx1"/>
+            </a:fontRef>
+          </p:style>
+        </p:cxnSp>
+        <p:sp>
+          <p:nvSpPr>
+            <p:cNvPr id="5" name="TextBox 4"/>
+            <p:cNvSpPr txBox="1"/>
+            <p:nvPr/>
+          </p:nvSpPr>
+          <p:spPr>
+            <a:xfrm>
+              <a:off x="286383" y="1559074"/>
+              <a:ext cx="520995" cy="369332"/>
+            </a:xfrm>
+            <a:prstGeom prst="rect">
+              <a:avLst/>
+            </a:prstGeom>
+            <a:noFill/>
+          </p:spPr>
+          <p:txBody>
+            <a:bodyPr wrap="square" rtlCol="0">
+              <a:spAutoFit/>
+            </a:bodyPr>
+            <a:lstStyle/>
+            <a:p>
+              <a:r>
+                <a:rPr lang="en-US" altLang="zh-CN" dirty="0" smtClean="0"/>
+                <a:t>SP</a:t>
+              </a:r>
+              <a:endParaRPr lang="zh-CN" altLang="en-US" dirty="0"/>
+            </a:p>
+          </p:txBody>
+        </p:sp>
+      </p:grpSp>
+      <p:grpSp>
+        <p:nvGrpSpPr>
+          <p:cNvPr id="11" name="Group 10"/>
+          <p:cNvGrpSpPr/>
+          <p:nvPr/>
+        </p:nvGrpSpPr>
+        <p:grpSpPr>
+          <a:xfrm>
+            <a:off x="2214420" y="1573491"/>
+            <a:ext cx="520995" cy="369332"/>
+            <a:chOff x="286383" y="1559074"/>
+            <a:chExt cx="520995" cy="369332"/>
+          </a:xfrm>
+        </p:grpSpPr>
+        <p:cxnSp>
+          <p:nvCxnSpPr>
+            <p:cNvPr id="12" name="Straight Arrow Connector 11"/>
+            <p:cNvCxnSpPr/>
+            <p:nvPr/>
+          </p:nvCxnSpPr>
+          <p:spPr>
+            <a:xfrm>
+              <a:off x="654978" y="1743740"/>
+              <a:ext cx="152400" cy="3968"/>
+            </a:xfrm>
+            <a:prstGeom prst="straightConnector1">
+              <a:avLst/>
+            </a:prstGeom>
+            <a:ln>
+              <a:solidFill>
+                <a:schemeClr val="tx1"/>
+              </a:solidFill>
+              <a:tailEnd type="triangle"/>
+            </a:ln>
+          </p:spPr>
+          <p:style>
+            <a:lnRef idx="1">
+              <a:schemeClr val="accent1"/>
+            </a:lnRef>
+            <a:fillRef idx="0">
+              <a:schemeClr val="accent1"/>
+            </a:fillRef>
+            <a:effectRef idx="0">
+              <a:schemeClr val="accent1"/>
+            </a:effectRef>
+            <a:fontRef idx="minor">
+              <a:schemeClr val="tx1"/>
+            </a:fontRef>
+          </p:style>
+        </p:cxnSp>
+        <p:sp>
+          <p:nvSpPr>
+            <p:cNvPr id="13" name="TextBox 12"/>
+            <p:cNvSpPr txBox="1"/>
+            <p:nvPr/>
+          </p:nvSpPr>
+          <p:spPr>
+            <a:xfrm>
+              <a:off x="286383" y="1559074"/>
+              <a:ext cx="520995" cy="369332"/>
+            </a:xfrm>
+            <a:prstGeom prst="rect">
+              <a:avLst/>
+            </a:prstGeom>
+            <a:noFill/>
+          </p:spPr>
+          <p:txBody>
+            <a:bodyPr wrap="square" rtlCol="0">
+              <a:spAutoFit/>
+            </a:bodyPr>
+            <a:lstStyle/>
+            <a:p>
+              <a:r>
+                <a:rPr lang="en-US" altLang="zh-CN" dirty="0" smtClean="0"/>
+                <a:t>SP</a:t>
+              </a:r>
+              <a:endParaRPr lang="zh-CN" altLang="en-US" dirty="0"/>
+            </a:p>
+          </p:txBody>
+        </p:sp>
+      </p:grpSp>
+      <p:sp>
+        <p:nvSpPr>
+          <p:cNvPr id="14" name="TextBox 13"/>
+          <p:cNvSpPr txBox="1"/>
+          <p:nvPr/>
+        </p:nvSpPr>
+        <p:spPr>
+          <a:xfrm>
+            <a:off x="1876647" y="2011045"/>
+            <a:ext cx="598270" cy="369332"/>
+          </a:xfrm>
+          <a:prstGeom prst="rect">
+            <a:avLst/>
+          </a:prstGeom>
+          <a:noFill/>
+        </p:spPr>
+        <p:txBody>
+          <a:bodyPr wrap="square" rtlCol="0">
+            <a:spAutoFit/>
+          </a:bodyPr>
+          <a:lstStyle/>
+          <a:p>
+            <a:r>
+              <a:rPr lang="en-US" altLang="zh-CN" dirty="0" smtClean="0"/>
+              <a:t>add</a:t>
+            </a:r>
+            <a:endParaRPr lang="zh-CN" altLang="en-US" dirty="0"/>
+          </a:p>
+        </p:txBody>
+      </p:sp>
     </p:spTree>
     <p:extLst>
       <p:ext uri="{BB962C8B-B14F-4D97-AF65-F5344CB8AC3E}">
